--- a/ppt 16-9/0210.耶稣降生.pptx
+++ b/ppt 16-9/0210.耶稣降生.pptx
@@ -5,7 +5,7 @@
     <p:sldMasterId id="2147483648" r:id="rId1"/>
   </p:sldMasterIdLst>
   <p:sldIdLst>
-    <p:sldId id="2855" r:id="rId2"/>
+    <p:sldId id="2857" r:id="rId2"/>
   </p:sldIdLst>
   <p:sldSz cx="12192000" cy="6858000"/>
   <p:notesSz cx="6858000" cy="9144000"/>
@@ -129,7 +129,7 @@
           <p:cNvPr id="2" name="标题 1">
             <a:extLst>
               <a:ext uri="{FF2B5EF4-FFF2-40B4-BE49-F238E27FC236}">
-                <a16:creationId xmlns:a16="http://schemas.microsoft.com/office/drawing/2014/main" id="{A54CD2B0-7AE6-C12D-DD1F-48899D5A01B9}"/>
+                <a16:creationId xmlns:a16="http://schemas.microsoft.com/office/drawing/2014/main" id="{F4533F54-C9F2-88B1-5348-81B07B3E684F}"/>
               </a:ext>
             </a:extLst>
           </p:cNvPr>
@@ -166,7 +166,7 @@
           <p:cNvPr id="3" name="副标题 2">
             <a:extLst>
               <a:ext uri="{FF2B5EF4-FFF2-40B4-BE49-F238E27FC236}">
-                <a16:creationId xmlns:a16="http://schemas.microsoft.com/office/drawing/2014/main" id="{305157D6-B896-1062-BB10-57FBF1FF76ED}"/>
+                <a16:creationId xmlns:a16="http://schemas.microsoft.com/office/drawing/2014/main" id="{EF8F63D0-A8A1-4CEE-74D1-EFF58074503A}"/>
               </a:ext>
             </a:extLst>
           </p:cNvPr>
@@ -236,7 +236,7 @@
           <p:cNvPr id="4" name="日期占位符 3">
             <a:extLst>
               <a:ext uri="{FF2B5EF4-FFF2-40B4-BE49-F238E27FC236}">
-                <a16:creationId xmlns:a16="http://schemas.microsoft.com/office/drawing/2014/main" id="{4E45E970-CF1D-701C-F242-7F8312968D07}"/>
+                <a16:creationId xmlns:a16="http://schemas.microsoft.com/office/drawing/2014/main" id="{ED66F3E7-627B-C2D2-EAFA-6F583E4D3FBF}"/>
               </a:ext>
             </a:extLst>
           </p:cNvPr>
@@ -252,7 +252,7 @@
           <a:bodyPr/>
           <a:lstStyle/>
           <a:p>
-            <a:fld id="{5C3E57F4-B3AF-436B-88E3-C943069B559A}" type="datetimeFigureOut">
+            <a:fld id="{83E20D0E-588F-43BA-B349-DA777AE73331}" type="datetimeFigureOut">
               <a:rPr lang="zh-CN" altLang="en-US" smtClean="0"/>
               <a:t>2024/3/10</a:t>
             </a:fld>
@@ -265,7 +265,7 @@
           <p:cNvPr id="5" name="页脚占位符 4">
             <a:extLst>
               <a:ext uri="{FF2B5EF4-FFF2-40B4-BE49-F238E27FC236}">
-                <a16:creationId xmlns:a16="http://schemas.microsoft.com/office/drawing/2014/main" id="{D438951B-A9B1-04CE-B440-8B7F54DBA746}"/>
+                <a16:creationId xmlns:a16="http://schemas.microsoft.com/office/drawing/2014/main" id="{9FB58D59-1249-2062-B6D7-0C841C8887E6}"/>
               </a:ext>
             </a:extLst>
           </p:cNvPr>
@@ -290,7 +290,7 @@
           <p:cNvPr id="6" name="灯片编号占位符 5">
             <a:extLst>
               <a:ext uri="{FF2B5EF4-FFF2-40B4-BE49-F238E27FC236}">
-                <a16:creationId xmlns:a16="http://schemas.microsoft.com/office/drawing/2014/main" id="{06576E36-6CD7-3736-BCA6-C469DA004ABF}"/>
+                <a16:creationId xmlns:a16="http://schemas.microsoft.com/office/drawing/2014/main" id="{55B0896C-4F2E-937D-78B6-5BB4E16F3DBF}"/>
               </a:ext>
             </a:extLst>
           </p:cNvPr>
@@ -306,7 +306,7 @@
           <a:bodyPr/>
           <a:lstStyle/>
           <a:p>
-            <a:fld id="{7C42E513-625E-4734-9218-4168BEAD6C45}" type="slidenum">
+            <a:fld id="{A38CD76F-B378-4290-B933-00599F9B37E7}" type="slidenum">
               <a:rPr lang="zh-CN" altLang="en-US" smtClean="0"/>
               <a:t>‹#›</a:t>
             </a:fld>
@@ -317,7 +317,7 @@
     </p:spTree>
     <p:extLst>
       <p:ext uri="{BB962C8B-B14F-4D97-AF65-F5344CB8AC3E}">
-        <p14:creationId xmlns:p14="http://schemas.microsoft.com/office/powerpoint/2010/main" val="2595693040"/>
+        <p14:creationId xmlns:p14="http://schemas.microsoft.com/office/powerpoint/2010/main" val="553019637"/>
       </p:ext>
     </p:extLst>
   </p:cSld>
@@ -349,7 +349,7 @@
           <p:cNvPr id="2" name="标题 1">
             <a:extLst>
               <a:ext uri="{FF2B5EF4-FFF2-40B4-BE49-F238E27FC236}">
-                <a16:creationId xmlns:a16="http://schemas.microsoft.com/office/drawing/2014/main" id="{D62C0A17-AFC2-B0FD-C96A-4CA4CFBA3CB6}"/>
+                <a16:creationId xmlns:a16="http://schemas.microsoft.com/office/drawing/2014/main" id="{7170ED55-2304-CC74-DCE1-CF253AF03F64}"/>
               </a:ext>
             </a:extLst>
           </p:cNvPr>
@@ -377,7 +377,7 @@
           <p:cNvPr id="3" name="竖排文字占位符 2">
             <a:extLst>
               <a:ext uri="{FF2B5EF4-FFF2-40B4-BE49-F238E27FC236}">
-                <a16:creationId xmlns:a16="http://schemas.microsoft.com/office/drawing/2014/main" id="{466F26FE-1053-8688-DDBD-20C05399B6D8}"/>
+                <a16:creationId xmlns:a16="http://schemas.microsoft.com/office/drawing/2014/main" id="{A97EABE0-130C-4396-B194-FE13669C3400}"/>
               </a:ext>
             </a:extLst>
           </p:cNvPr>
@@ -434,7 +434,7 @@
           <p:cNvPr id="4" name="日期占位符 3">
             <a:extLst>
               <a:ext uri="{FF2B5EF4-FFF2-40B4-BE49-F238E27FC236}">
-                <a16:creationId xmlns:a16="http://schemas.microsoft.com/office/drawing/2014/main" id="{B4548665-5D6D-DB19-55F5-75D8AD6C07AC}"/>
+                <a16:creationId xmlns:a16="http://schemas.microsoft.com/office/drawing/2014/main" id="{8E1ED052-4D02-0E31-CC0D-B65FD7336DCB}"/>
               </a:ext>
             </a:extLst>
           </p:cNvPr>
@@ -450,7 +450,7 @@
           <a:bodyPr/>
           <a:lstStyle/>
           <a:p>
-            <a:fld id="{5C3E57F4-B3AF-436B-88E3-C943069B559A}" type="datetimeFigureOut">
+            <a:fld id="{83E20D0E-588F-43BA-B349-DA777AE73331}" type="datetimeFigureOut">
               <a:rPr lang="zh-CN" altLang="en-US" smtClean="0"/>
               <a:t>2024/3/10</a:t>
             </a:fld>
@@ -463,7 +463,7 @@
           <p:cNvPr id="5" name="页脚占位符 4">
             <a:extLst>
               <a:ext uri="{FF2B5EF4-FFF2-40B4-BE49-F238E27FC236}">
-                <a16:creationId xmlns:a16="http://schemas.microsoft.com/office/drawing/2014/main" id="{73D706E6-4141-09E2-BF40-3F138C79C025}"/>
+                <a16:creationId xmlns:a16="http://schemas.microsoft.com/office/drawing/2014/main" id="{BB93678B-34A3-4562-39D8-5B9187A62271}"/>
               </a:ext>
             </a:extLst>
           </p:cNvPr>
@@ -488,7 +488,7 @@
           <p:cNvPr id="6" name="灯片编号占位符 5">
             <a:extLst>
               <a:ext uri="{FF2B5EF4-FFF2-40B4-BE49-F238E27FC236}">
-                <a16:creationId xmlns:a16="http://schemas.microsoft.com/office/drawing/2014/main" id="{8750EB4D-39FA-8470-4D50-ADD6675E0364}"/>
+                <a16:creationId xmlns:a16="http://schemas.microsoft.com/office/drawing/2014/main" id="{79C4222C-B765-3A78-7C9A-C4DDC579E805}"/>
               </a:ext>
             </a:extLst>
           </p:cNvPr>
@@ -504,7 +504,7 @@
           <a:bodyPr/>
           <a:lstStyle/>
           <a:p>
-            <a:fld id="{7C42E513-625E-4734-9218-4168BEAD6C45}" type="slidenum">
+            <a:fld id="{A38CD76F-B378-4290-B933-00599F9B37E7}" type="slidenum">
               <a:rPr lang="zh-CN" altLang="en-US" smtClean="0"/>
               <a:t>‹#›</a:t>
             </a:fld>
@@ -515,7 +515,7 @@
     </p:spTree>
     <p:extLst>
       <p:ext uri="{BB962C8B-B14F-4D97-AF65-F5344CB8AC3E}">
-        <p14:creationId xmlns:p14="http://schemas.microsoft.com/office/powerpoint/2010/main" val="1284770247"/>
+        <p14:creationId xmlns:p14="http://schemas.microsoft.com/office/powerpoint/2010/main" val="2202906031"/>
       </p:ext>
     </p:extLst>
   </p:cSld>
@@ -547,7 +547,7 @@
           <p:cNvPr id="2" name="竖排标题 1">
             <a:extLst>
               <a:ext uri="{FF2B5EF4-FFF2-40B4-BE49-F238E27FC236}">
-                <a16:creationId xmlns:a16="http://schemas.microsoft.com/office/drawing/2014/main" id="{55351604-CF04-4956-C37F-64EF7322474D}"/>
+                <a16:creationId xmlns:a16="http://schemas.microsoft.com/office/drawing/2014/main" id="{D564BC8C-F168-3907-2EA5-E555ABAABC2A}"/>
               </a:ext>
             </a:extLst>
           </p:cNvPr>
@@ -580,7 +580,7 @@
           <p:cNvPr id="3" name="竖排文字占位符 2">
             <a:extLst>
               <a:ext uri="{FF2B5EF4-FFF2-40B4-BE49-F238E27FC236}">
-                <a16:creationId xmlns:a16="http://schemas.microsoft.com/office/drawing/2014/main" id="{6043C59C-1306-E368-9D37-49CB149D945E}"/>
+                <a16:creationId xmlns:a16="http://schemas.microsoft.com/office/drawing/2014/main" id="{8C331CB3-7871-F119-112A-54E9A7F59869}"/>
               </a:ext>
             </a:extLst>
           </p:cNvPr>
@@ -642,7 +642,7 @@
           <p:cNvPr id="4" name="日期占位符 3">
             <a:extLst>
               <a:ext uri="{FF2B5EF4-FFF2-40B4-BE49-F238E27FC236}">
-                <a16:creationId xmlns:a16="http://schemas.microsoft.com/office/drawing/2014/main" id="{83CFC6BB-9846-148E-14A8-D560F409E231}"/>
+                <a16:creationId xmlns:a16="http://schemas.microsoft.com/office/drawing/2014/main" id="{5318C28E-B11F-448A-CB4F-CED2D9BC2952}"/>
               </a:ext>
             </a:extLst>
           </p:cNvPr>
@@ -658,7 +658,7 @@
           <a:bodyPr/>
           <a:lstStyle/>
           <a:p>
-            <a:fld id="{5C3E57F4-B3AF-436B-88E3-C943069B559A}" type="datetimeFigureOut">
+            <a:fld id="{83E20D0E-588F-43BA-B349-DA777AE73331}" type="datetimeFigureOut">
               <a:rPr lang="zh-CN" altLang="en-US" smtClean="0"/>
               <a:t>2024/3/10</a:t>
             </a:fld>
@@ -671,7 +671,7 @@
           <p:cNvPr id="5" name="页脚占位符 4">
             <a:extLst>
               <a:ext uri="{FF2B5EF4-FFF2-40B4-BE49-F238E27FC236}">
-                <a16:creationId xmlns:a16="http://schemas.microsoft.com/office/drawing/2014/main" id="{26CF0606-C3B8-6776-7EB1-90F5CE2B381E}"/>
+                <a16:creationId xmlns:a16="http://schemas.microsoft.com/office/drawing/2014/main" id="{136B8A65-C807-F6DA-9F64-CF1E5164CB4B}"/>
               </a:ext>
             </a:extLst>
           </p:cNvPr>
@@ -696,7 +696,7 @@
           <p:cNvPr id="6" name="灯片编号占位符 5">
             <a:extLst>
               <a:ext uri="{FF2B5EF4-FFF2-40B4-BE49-F238E27FC236}">
-                <a16:creationId xmlns:a16="http://schemas.microsoft.com/office/drawing/2014/main" id="{079BF3CC-2B79-0ACF-5BCE-D791A210428E}"/>
+                <a16:creationId xmlns:a16="http://schemas.microsoft.com/office/drawing/2014/main" id="{7C956188-D53F-A362-D55F-E22AAA29CC29}"/>
               </a:ext>
             </a:extLst>
           </p:cNvPr>
@@ -712,7 +712,7 @@
           <a:bodyPr/>
           <a:lstStyle/>
           <a:p>
-            <a:fld id="{7C42E513-625E-4734-9218-4168BEAD6C45}" type="slidenum">
+            <a:fld id="{A38CD76F-B378-4290-B933-00599F9B37E7}" type="slidenum">
               <a:rPr lang="zh-CN" altLang="en-US" smtClean="0"/>
               <a:t>‹#›</a:t>
             </a:fld>
@@ -723,7 +723,7 @@
     </p:spTree>
     <p:extLst>
       <p:ext uri="{BB962C8B-B14F-4D97-AF65-F5344CB8AC3E}">
-        <p14:creationId xmlns:p14="http://schemas.microsoft.com/office/powerpoint/2010/main" val="1072346283"/>
+        <p14:creationId xmlns:p14="http://schemas.microsoft.com/office/powerpoint/2010/main" val="4053092744"/>
       </p:ext>
     </p:extLst>
   </p:cSld>
@@ -755,7 +755,7 @@
           <p:cNvPr id="2" name="标题 1">
             <a:extLst>
               <a:ext uri="{FF2B5EF4-FFF2-40B4-BE49-F238E27FC236}">
-                <a16:creationId xmlns:a16="http://schemas.microsoft.com/office/drawing/2014/main" id="{40E7B9AE-495E-3F67-86D3-FA2C482DA173}"/>
+                <a16:creationId xmlns:a16="http://schemas.microsoft.com/office/drawing/2014/main" id="{C2E80656-B46F-F015-D69F-4A5C12A0146A}"/>
               </a:ext>
             </a:extLst>
           </p:cNvPr>
@@ -783,7 +783,7 @@
           <p:cNvPr id="3" name="内容占位符 2">
             <a:extLst>
               <a:ext uri="{FF2B5EF4-FFF2-40B4-BE49-F238E27FC236}">
-                <a16:creationId xmlns:a16="http://schemas.microsoft.com/office/drawing/2014/main" id="{1FABDE86-DD8B-CBE5-E1BE-F6E89E0DBDA6}"/>
+                <a16:creationId xmlns:a16="http://schemas.microsoft.com/office/drawing/2014/main" id="{A9444FF5-2095-7988-AF10-D1E4D2CBDA8B}"/>
               </a:ext>
             </a:extLst>
           </p:cNvPr>
@@ -840,7 +840,7 @@
           <p:cNvPr id="4" name="日期占位符 3">
             <a:extLst>
               <a:ext uri="{FF2B5EF4-FFF2-40B4-BE49-F238E27FC236}">
-                <a16:creationId xmlns:a16="http://schemas.microsoft.com/office/drawing/2014/main" id="{5E27659E-3F08-0227-1BBA-95669FAAC8B8}"/>
+                <a16:creationId xmlns:a16="http://schemas.microsoft.com/office/drawing/2014/main" id="{D1533586-6EF3-0EBE-A503-D975CC9FC341}"/>
               </a:ext>
             </a:extLst>
           </p:cNvPr>
@@ -856,7 +856,7 @@
           <a:bodyPr/>
           <a:lstStyle/>
           <a:p>
-            <a:fld id="{5C3E57F4-B3AF-436B-88E3-C943069B559A}" type="datetimeFigureOut">
+            <a:fld id="{83E20D0E-588F-43BA-B349-DA777AE73331}" type="datetimeFigureOut">
               <a:rPr lang="zh-CN" altLang="en-US" smtClean="0"/>
               <a:t>2024/3/10</a:t>
             </a:fld>
@@ -869,7 +869,7 @@
           <p:cNvPr id="5" name="页脚占位符 4">
             <a:extLst>
               <a:ext uri="{FF2B5EF4-FFF2-40B4-BE49-F238E27FC236}">
-                <a16:creationId xmlns:a16="http://schemas.microsoft.com/office/drawing/2014/main" id="{992E992E-DD21-80A3-CF65-601DC579498B}"/>
+                <a16:creationId xmlns:a16="http://schemas.microsoft.com/office/drawing/2014/main" id="{5FE8D2A1-102E-C16E-A404-A85D78E8A263}"/>
               </a:ext>
             </a:extLst>
           </p:cNvPr>
@@ -894,7 +894,7 @@
           <p:cNvPr id="6" name="灯片编号占位符 5">
             <a:extLst>
               <a:ext uri="{FF2B5EF4-FFF2-40B4-BE49-F238E27FC236}">
-                <a16:creationId xmlns:a16="http://schemas.microsoft.com/office/drawing/2014/main" id="{AED9BAD8-FE02-49D5-C71A-F3B02F64DCD8}"/>
+                <a16:creationId xmlns:a16="http://schemas.microsoft.com/office/drawing/2014/main" id="{C2FAED21-CE70-F92F-D924-DE12EBC2BC47}"/>
               </a:ext>
             </a:extLst>
           </p:cNvPr>
@@ -910,7 +910,7 @@
           <a:bodyPr/>
           <a:lstStyle/>
           <a:p>
-            <a:fld id="{7C42E513-625E-4734-9218-4168BEAD6C45}" type="slidenum">
+            <a:fld id="{A38CD76F-B378-4290-B933-00599F9B37E7}" type="slidenum">
               <a:rPr lang="zh-CN" altLang="en-US" smtClean="0"/>
               <a:t>‹#›</a:t>
             </a:fld>
@@ -921,7 +921,7 @@
     </p:spTree>
     <p:extLst>
       <p:ext uri="{BB962C8B-B14F-4D97-AF65-F5344CB8AC3E}">
-        <p14:creationId xmlns:p14="http://schemas.microsoft.com/office/powerpoint/2010/main" val="1947902630"/>
+        <p14:creationId xmlns:p14="http://schemas.microsoft.com/office/powerpoint/2010/main" val="3119886713"/>
       </p:ext>
     </p:extLst>
   </p:cSld>
@@ -953,7 +953,7 @@
           <p:cNvPr id="2" name="标题 1">
             <a:extLst>
               <a:ext uri="{FF2B5EF4-FFF2-40B4-BE49-F238E27FC236}">
-                <a16:creationId xmlns:a16="http://schemas.microsoft.com/office/drawing/2014/main" id="{77AD3870-5FE0-146D-EF4B-41C42DA47C14}"/>
+                <a16:creationId xmlns:a16="http://schemas.microsoft.com/office/drawing/2014/main" id="{DF200EA8-C877-3058-89DB-AEA0006F7E32}"/>
               </a:ext>
             </a:extLst>
           </p:cNvPr>
@@ -990,7 +990,7 @@
           <p:cNvPr id="3" name="文本占位符 2">
             <a:extLst>
               <a:ext uri="{FF2B5EF4-FFF2-40B4-BE49-F238E27FC236}">
-                <a16:creationId xmlns:a16="http://schemas.microsoft.com/office/drawing/2014/main" id="{5DBBE941-BD05-ECB2-FE24-39F9D4894FCE}"/>
+                <a16:creationId xmlns:a16="http://schemas.microsoft.com/office/drawing/2014/main" id="{9F62824A-92F8-A228-AF9D-29FCC2DA396D}"/>
               </a:ext>
             </a:extLst>
           </p:cNvPr>
@@ -1115,7 +1115,7 @@
           <p:cNvPr id="4" name="日期占位符 3">
             <a:extLst>
               <a:ext uri="{FF2B5EF4-FFF2-40B4-BE49-F238E27FC236}">
-                <a16:creationId xmlns:a16="http://schemas.microsoft.com/office/drawing/2014/main" id="{BA57FD3D-C681-49F7-DCB4-E13063AA516C}"/>
+                <a16:creationId xmlns:a16="http://schemas.microsoft.com/office/drawing/2014/main" id="{366462D8-F15C-DB48-C35C-EE621EE6FF82}"/>
               </a:ext>
             </a:extLst>
           </p:cNvPr>
@@ -1131,7 +1131,7 @@
           <a:bodyPr/>
           <a:lstStyle/>
           <a:p>
-            <a:fld id="{5C3E57F4-B3AF-436B-88E3-C943069B559A}" type="datetimeFigureOut">
+            <a:fld id="{83E20D0E-588F-43BA-B349-DA777AE73331}" type="datetimeFigureOut">
               <a:rPr lang="zh-CN" altLang="en-US" smtClean="0"/>
               <a:t>2024/3/10</a:t>
             </a:fld>
@@ -1144,7 +1144,7 @@
           <p:cNvPr id="5" name="页脚占位符 4">
             <a:extLst>
               <a:ext uri="{FF2B5EF4-FFF2-40B4-BE49-F238E27FC236}">
-                <a16:creationId xmlns:a16="http://schemas.microsoft.com/office/drawing/2014/main" id="{C6E9AF66-FB83-CBAA-6445-039E45C14A7B}"/>
+                <a16:creationId xmlns:a16="http://schemas.microsoft.com/office/drawing/2014/main" id="{C4683185-7C61-7954-70A5-17A8B4DFC816}"/>
               </a:ext>
             </a:extLst>
           </p:cNvPr>
@@ -1169,7 +1169,7 @@
           <p:cNvPr id="6" name="灯片编号占位符 5">
             <a:extLst>
               <a:ext uri="{FF2B5EF4-FFF2-40B4-BE49-F238E27FC236}">
-                <a16:creationId xmlns:a16="http://schemas.microsoft.com/office/drawing/2014/main" id="{99498D27-6CED-53C1-2BFD-C18C1792A3D1}"/>
+                <a16:creationId xmlns:a16="http://schemas.microsoft.com/office/drawing/2014/main" id="{A3E99DDB-0E29-390E-7174-1D5F8E0E70F4}"/>
               </a:ext>
             </a:extLst>
           </p:cNvPr>
@@ -1185,7 +1185,7 @@
           <a:bodyPr/>
           <a:lstStyle/>
           <a:p>
-            <a:fld id="{7C42E513-625E-4734-9218-4168BEAD6C45}" type="slidenum">
+            <a:fld id="{A38CD76F-B378-4290-B933-00599F9B37E7}" type="slidenum">
               <a:rPr lang="zh-CN" altLang="en-US" smtClean="0"/>
               <a:t>‹#›</a:t>
             </a:fld>
@@ -1196,7 +1196,7 @@
     </p:spTree>
     <p:extLst>
       <p:ext uri="{BB962C8B-B14F-4D97-AF65-F5344CB8AC3E}">
-        <p14:creationId xmlns:p14="http://schemas.microsoft.com/office/powerpoint/2010/main" val="3735821730"/>
+        <p14:creationId xmlns:p14="http://schemas.microsoft.com/office/powerpoint/2010/main" val="2145020835"/>
       </p:ext>
     </p:extLst>
   </p:cSld>
@@ -1228,7 +1228,7 @@
           <p:cNvPr id="2" name="标题 1">
             <a:extLst>
               <a:ext uri="{FF2B5EF4-FFF2-40B4-BE49-F238E27FC236}">
-                <a16:creationId xmlns:a16="http://schemas.microsoft.com/office/drawing/2014/main" id="{F45F2F8B-629C-79C0-6C8A-8034BC85599C}"/>
+                <a16:creationId xmlns:a16="http://schemas.microsoft.com/office/drawing/2014/main" id="{6135E256-DBFB-DF4F-CF3B-A6F376EF95FA}"/>
               </a:ext>
             </a:extLst>
           </p:cNvPr>
@@ -1256,7 +1256,7 @@
           <p:cNvPr id="3" name="内容占位符 2">
             <a:extLst>
               <a:ext uri="{FF2B5EF4-FFF2-40B4-BE49-F238E27FC236}">
-                <a16:creationId xmlns:a16="http://schemas.microsoft.com/office/drawing/2014/main" id="{79C71553-8AE1-408B-B49B-9B228A26312A}"/>
+                <a16:creationId xmlns:a16="http://schemas.microsoft.com/office/drawing/2014/main" id="{E3189B86-2AC1-8AD3-AB02-BA58494F058D}"/>
               </a:ext>
             </a:extLst>
           </p:cNvPr>
@@ -1318,7 +1318,7 @@
           <p:cNvPr id="4" name="内容占位符 3">
             <a:extLst>
               <a:ext uri="{FF2B5EF4-FFF2-40B4-BE49-F238E27FC236}">
-                <a16:creationId xmlns:a16="http://schemas.microsoft.com/office/drawing/2014/main" id="{6F475E6F-0D85-00A6-2BBF-6CACDC09D0DA}"/>
+                <a16:creationId xmlns:a16="http://schemas.microsoft.com/office/drawing/2014/main" id="{2D4C4732-B3C4-C7B5-3360-153A5E62D795}"/>
               </a:ext>
             </a:extLst>
           </p:cNvPr>
@@ -1380,7 +1380,7 @@
           <p:cNvPr id="5" name="日期占位符 4">
             <a:extLst>
               <a:ext uri="{FF2B5EF4-FFF2-40B4-BE49-F238E27FC236}">
-                <a16:creationId xmlns:a16="http://schemas.microsoft.com/office/drawing/2014/main" id="{BB0D430F-60B3-6047-230F-F4D5A2FFAD84}"/>
+                <a16:creationId xmlns:a16="http://schemas.microsoft.com/office/drawing/2014/main" id="{ABF6BBE5-AE17-0FD8-6A92-897DA05D18BD}"/>
               </a:ext>
             </a:extLst>
           </p:cNvPr>
@@ -1396,7 +1396,7 @@
           <a:bodyPr/>
           <a:lstStyle/>
           <a:p>
-            <a:fld id="{5C3E57F4-B3AF-436B-88E3-C943069B559A}" type="datetimeFigureOut">
+            <a:fld id="{83E20D0E-588F-43BA-B349-DA777AE73331}" type="datetimeFigureOut">
               <a:rPr lang="zh-CN" altLang="en-US" smtClean="0"/>
               <a:t>2024/3/10</a:t>
             </a:fld>
@@ -1409,7 +1409,7 @@
           <p:cNvPr id="6" name="页脚占位符 5">
             <a:extLst>
               <a:ext uri="{FF2B5EF4-FFF2-40B4-BE49-F238E27FC236}">
-                <a16:creationId xmlns:a16="http://schemas.microsoft.com/office/drawing/2014/main" id="{1C0EE787-F7C5-71E4-6571-D33FE7BE2CA8}"/>
+                <a16:creationId xmlns:a16="http://schemas.microsoft.com/office/drawing/2014/main" id="{99C3F405-646F-EF10-3957-2520D69D4CF9}"/>
               </a:ext>
             </a:extLst>
           </p:cNvPr>
@@ -1434,7 +1434,7 @@
           <p:cNvPr id="7" name="灯片编号占位符 6">
             <a:extLst>
               <a:ext uri="{FF2B5EF4-FFF2-40B4-BE49-F238E27FC236}">
-                <a16:creationId xmlns:a16="http://schemas.microsoft.com/office/drawing/2014/main" id="{D3C91ED0-B31E-43EB-D586-A34CB9A9A11D}"/>
+                <a16:creationId xmlns:a16="http://schemas.microsoft.com/office/drawing/2014/main" id="{23C02ECA-C1F6-D639-6881-AC9B16208408}"/>
               </a:ext>
             </a:extLst>
           </p:cNvPr>
@@ -1450,7 +1450,7 @@
           <a:bodyPr/>
           <a:lstStyle/>
           <a:p>
-            <a:fld id="{7C42E513-625E-4734-9218-4168BEAD6C45}" type="slidenum">
+            <a:fld id="{A38CD76F-B378-4290-B933-00599F9B37E7}" type="slidenum">
               <a:rPr lang="zh-CN" altLang="en-US" smtClean="0"/>
               <a:t>‹#›</a:t>
             </a:fld>
@@ -1461,7 +1461,7 @@
     </p:spTree>
     <p:extLst>
       <p:ext uri="{BB962C8B-B14F-4D97-AF65-F5344CB8AC3E}">
-        <p14:creationId xmlns:p14="http://schemas.microsoft.com/office/powerpoint/2010/main" val="2448535680"/>
+        <p14:creationId xmlns:p14="http://schemas.microsoft.com/office/powerpoint/2010/main" val="996277312"/>
       </p:ext>
     </p:extLst>
   </p:cSld>
@@ -1493,7 +1493,7 @@
           <p:cNvPr id="2" name="标题 1">
             <a:extLst>
               <a:ext uri="{FF2B5EF4-FFF2-40B4-BE49-F238E27FC236}">
-                <a16:creationId xmlns:a16="http://schemas.microsoft.com/office/drawing/2014/main" id="{6EAC7E7A-4EA4-A571-3470-EA39C3EA15D1}"/>
+                <a16:creationId xmlns:a16="http://schemas.microsoft.com/office/drawing/2014/main" id="{EEC5B190-4069-DF49-DE00-43BEDB9F903F}"/>
               </a:ext>
             </a:extLst>
           </p:cNvPr>
@@ -1526,7 +1526,7 @@
           <p:cNvPr id="3" name="文本占位符 2">
             <a:extLst>
               <a:ext uri="{FF2B5EF4-FFF2-40B4-BE49-F238E27FC236}">
-                <a16:creationId xmlns:a16="http://schemas.microsoft.com/office/drawing/2014/main" id="{F5D951E3-1A4B-D386-D429-71161E7DB858}"/>
+                <a16:creationId xmlns:a16="http://schemas.microsoft.com/office/drawing/2014/main" id="{3B66915A-7AEF-BBBA-B161-FE567B674E8F}"/>
               </a:ext>
             </a:extLst>
           </p:cNvPr>
@@ -1597,7 +1597,7 @@
           <p:cNvPr id="4" name="内容占位符 3">
             <a:extLst>
               <a:ext uri="{FF2B5EF4-FFF2-40B4-BE49-F238E27FC236}">
-                <a16:creationId xmlns:a16="http://schemas.microsoft.com/office/drawing/2014/main" id="{E9F5DBF2-0222-FC9B-DF91-9E62B6C16FD7}"/>
+                <a16:creationId xmlns:a16="http://schemas.microsoft.com/office/drawing/2014/main" id="{BC660B54-DDF3-AFBC-3BF3-179AFE73EE3B}"/>
               </a:ext>
             </a:extLst>
           </p:cNvPr>
@@ -1659,7 +1659,7 @@
           <p:cNvPr id="5" name="文本占位符 4">
             <a:extLst>
               <a:ext uri="{FF2B5EF4-FFF2-40B4-BE49-F238E27FC236}">
-                <a16:creationId xmlns:a16="http://schemas.microsoft.com/office/drawing/2014/main" id="{556385FA-2A43-936C-80B3-1D1548F0876B}"/>
+                <a16:creationId xmlns:a16="http://schemas.microsoft.com/office/drawing/2014/main" id="{74BB6824-4F18-8AE2-3428-E01CC292FF18}"/>
               </a:ext>
             </a:extLst>
           </p:cNvPr>
@@ -1730,7 +1730,7 @@
           <p:cNvPr id="6" name="内容占位符 5">
             <a:extLst>
               <a:ext uri="{FF2B5EF4-FFF2-40B4-BE49-F238E27FC236}">
-                <a16:creationId xmlns:a16="http://schemas.microsoft.com/office/drawing/2014/main" id="{15DF1F51-CC26-5E89-9BB9-4F82F3E93556}"/>
+                <a16:creationId xmlns:a16="http://schemas.microsoft.com/office/drawing/2014/main" id="{CBCE1763-CC52-34D2-3F3A-C419F0EF4216}"/>
               </a:ext>
             </a:extLst>
           </p:cNvPr>
@@ -1792,7 +1792,7 @@
           <p:cNvPr id="7" name="日期占位符 6">
             <a:extLst>
               <a:ext uri="{FF2B5EF4-FFF2-40B4-BE49-F238E27FC236}">
-                <a16:creationId xmlns:a16="http://schemas.microsoft.com/office/drawing/2014/main" id="{7862FA7C-588F-A842-17A9-744FA7A3AE15}"/>
+                <a16:creationId xmlns:a16="http://schemas.microsoft.com/office/drawing/2014/main" id="{804351F1-2E52-10AD-C7AD-F0628DAE0741}"/>
               </a:ext>
             </a:extLst>
           </p:cNvPr>
@@ -1808,7 +1808,7 @@
           <a:bodyPr/>
           <a:lstStyle/>
           <a:p>
-            <a:fld id="{5C3E57F4-B3AF-436B-88E3-C943069B559A}" type="datetimeFigureOut">
+            <a:fld id="{83E20D0E-588F-43BA-B349-DA777AE73331}" type="datetimeFigureOut">
               <a:rPr lang="zh-CN" altLang="en-US" smtClean="0"/>
               <a:t>2024/3/10</a:t>
             </a:fld>
@@ -1821,7 +1821,7 @@
           <p:cNvPr id="8" name="页脚占位符 7">
             <a:extLst>
               <a:ext uri="{FF2B5EF4-FFF2-40B4-BE49-F238E27FC236}">
-                <a16:creationId xmlns:a16="http://schemas.microsoft.com/office/drawing/2014/main" id="{A5E33EC5-0559-AB1F-FDEA-852EE09DD036}"/>
+                <a16:creationId xmlns:a16="http://schemas.microsoft.com/office/drawing/2014/main" id="{BB6961E0-ACC0-3165-D822-1C07871B86A2}"/>
               </a:ext>
             </a:extLst>
           </p:cNvPr>
@@ -1846,7 +1846,7 @@
           <p:cNvPr id="9" name="灯片编号占位符 8">
             <a:extLst>
               <a:ext uri="{FF2B5EF4-FFF2-40B4-BE49-F238E27FC236}">
-                <a16:creationId xmlns:a16="http://schemas.microsoft.com/office/drawing/2014/main" id="{90EA0641-E76C-3BBF-B90A-2FEB0E75892F}"/>
+                <a16:creationId xmlns:a16="http://schemas.microsoft.com/office/drawing/2014/main" id="{E136E8AD-9638-F30C-6037-F94CD3EFDEA3}"/>
               </a:ext>
             </a:extLst>
           </p:cNvPr>
@@ -1862,7 +1862,7 @@
           <a:bodyPr/>
           <a:lstStyle/>
           <a:p>
-            <a:fld id="{7C42E513-625E-4734-9218-4168BEAD6C45}" type="slidenum">
+            <a:fld id="{A38CD76F-B378-4290-B933-00599F9B37E7}" type="slidenum">
               <a:rPr lang="zh-CN" altLang="en-US" smtClean="0"/>
               <a:t>‹#›</a:t>
             </a:fld>
@@ -1873,7 +1873,7 @@
     </p:spTree>
     <p:extLst>
       <p:ext uri="{BB962C8B-B14F-4D97-AF65-F5344CB8AC3E}">
-        <p14:creationId xmlns:p14="http://schemas.microsoft.com/office/powerpoint/2010/main" val="278301866"/>
+        <p14:creationId xmlns:p14="http://schemas.microsoft.com/office/powerpoint/2010/main" val="3008330485"/>
       </p:ext>
     </p:extLst>
   </p:cSld>
@@ -1905,7 +1905,7 @@
           <p:cNvPr id="2" name="标题 1">
             <a:extLst>
               <a:ext uri="{FF2B5EF4-FFF2-40B4-BE49-F238E27FC236}">
-                <a16:creationId xmlns:a16="http://schemas.microsoft.com/office/drawing/2014/main" id="{7FCD4AB3-7449-7753-CAAE-06B8EF6C0C13}"/>
+                <a16:creationId xmlns:a16="http://schemas.microsoft.com/office/drawing/2014/main" id="{610716D9-FDA6-E953-4C6F-697D4A86CC89}"/>
               </a:ext>
             </a:extLst>
           </p:cNvPr>
@@ -1933,7 +1933,7 @@
           <p:cNvPr id="3" name="日期占位符 2">
             <a:extLst>
               <a:ext uri="{FF2B5EF4-FFF2-40B4-BE49-F238E27FC236}">
-                <a16:creationId xmlns:a16="http://schemas.microsoft.com/office/drawing/2014/main" id="{F71D9F1F-009D-9092-D7B7-DFB5AE8AE4FC}"/>
+                <a16:creationId xmlns:a16="http://schemas.microsoft.com/office/drawing/2014/main" id="{4DD54412-58A0-2140-A80C-81BAE659AE3C}"/>
               </a:ext>
             </a:extLst>
           </p:cNvPr>
@@ -1949,7 +1949,7 @@
           <a:bodyPr/>
           <a:lstStyle/>
           <a:p>
-            <a:fld id="{5C3E57F4-B3AF-436B-88E3-C943069B559A}" type="datetimeFigureOut">
+            <a:fld id="{83E20D0E-588F-43BA-B349-DA777AE73331}" type="datetimeFigureOut">
               <a:rPr lang="zh-CN" altLang="en-US" smtClean="0"/>
               <a:t>2024/3/10</a:t>
             </a:fld>
@@ -1962,7 +1962,7 @@
           <p:cNvPr id="4" name="页脚占位符 3">
             <a:extLst>
               <a:ext uri="{FF2B5EF4-FFF2-40B4-BE49-F238E27FC236}">
-                <a16:creationId xmlns:a16="http://schemas.microsoft.com/office/drawing/2014/main" id="{50F1DECC-11D5-51C7-2C3C-B917197B8166}"/>
+                <a16:creationId xmlns:a16="http://schemas.microsoft.com/office/drawing/2014/main" id="{F0A1D4A5-D745-63F5-730E-A72A57DC53B7}"/>
               </a:ext>
             </a:extLst>
           </p:cNvPr>
@@ -1987,7 +1987,7 @@
           <p:cNvPr id="5" name="灯片编号占位符 4">
             <a:extLst>
               <a:ext uri="{FF2B5EF4-FFF2-40B4-BE49-F238E27FC236}">
-                <a16:creationId xmlns:a16="http://schemas.microsoft.com/office/drawing/2014/main" id="{97B5453C-DE7B-0C4C-DC85-31E0E096C618}"/>
+                <a16:creationId xmlns:a16="http://schemas.microsoft.com/office/drawing/2014/main" id="{90C21B02-9AC5-F1D7-129B-C139F0736F2B}"/>
               </a:ext>
             </a:extLst>
           </p:cNvPr>
@@ -2003,7 +2003,7 @@
           <a:bodyPr/>
           <a:lstStyle/>
           <a:p>
-            <a:fld id="{7C42E513-625E-4734-9218-4168BEAD6C45}" type="slidenum">
+            <a:fld id="{A38CD76F-B378-4290-B933-00599F9B37E7}" type="slidenum">
               <a:rPr lang="zh-CN" altLang="en-US" smtClean="0"/>
               <a:t>‹#›</a:t>
             </a:fld>
@@ -2014,7 +2014,7 @@
     </p:spTree>
     <p:extLst>
       <p:ext uri="{BB962C8B-B14F-4D97-AF65-F5344CB8AC3E}">
-        <p14:creationId xmlns:p14="http://schemas.microsoft.com/office/powerpoint/2010/main" val="3154375805"/>
+        <p14:creationId xmlns:p14="http://schemas.microsoft.com/office/powerpoint/2010/main" val="482327133"/>
       </p:ext>
     </p:extLst>
   </p:cSld>
@@ -2046,7 +2046,7 @@
           <p:cNvPr id="2" name="日期占位符 1">
             <a:extLst>
               <a:ext uri="{FF2B5EF4-FFF2-40B4-BE49-F238E27FC236}">
-                <a16:creationId xmlns:a16="http://schemas.microsoft.com/office/drawing/2014/main" id="{DE2F1A47-5631-D842-B274-3BEFCD9B0914}"/>
+                <a16:creationId xmlns:a16="http://schemas.microsoft.com/office/drawing/2014/main" id="{0D93B7CD-F4B7-A953-C443-FA1C8297C704}"/>
               </a:ext>
             </a:extLst>
           </p:cNvPr>
@@ -2062,7 +2062,7 @@
           <a:bodyPr/>
           <a:lstStyle/>
           <a:p>
-            <a:fld id="{5C3E57F4-B3AF-436B-88E3-C943069B559A}" type="datetimeFigureOut">
+            <a:fld id="{83E20D0E-588F-43BA-B349-DA777AE73331}" type="datetimeFigureOut">
               <a:rPr lang="zh-CN" altLang="en-US" smtClean="0"/>
               <a:t>2024/3/10</a:t>
             </a:fld>
@@ -2075,7 +2075,7 @@
           <p:cNvPr id="3" name="页脚占位符 2">
             <a:extLst>
               <a:ext uri="{FF2B5EF4-FFF2-40B4-BE49-F238E27FC236}">
-                <a16:creationId xmlns:a16="http://schemas.microsoft.com/office/drawing/2014/main" id="{5250205D-F55F-D65F-9440-2E7909F98A50}"/>
+                <a16:creationId xmlns:a16="http://schemas.microsoft.com/office/drawing/2014/main" id="{7E1038FA-7395-ABFB-B4AC-1B322D27622E}"/>
               </a:ext>
             </a:extLst>
           </p:cNvPr>
@@ -2100,7 +2100,7 @@
           <p:cNvPr id="4" name="灯片编号占位符 3">
             <a:extLst>
               <a:ext uri="{FF2B5EF4-FFF2-40B4-BE49-F238E27FC236}">
-                <a16:creationId xmlns:a16="http://schemas.microsoft.com/office/drawing/2014/main" id="{98920749-D5B4-FD2B-BB98-3D9309F3C3E0}"/>
+                <a16:creationId xmlns:a16="http://schemas.microsoft.com/office/drawing/2014/main" id="{FED88B46-C327-46DE-1FBE-FC5F6EBDB6F0}"/>
               </a:ext>
             </a:extLst>
           </p:cNvPr>
@@ -2116,7 +2116,7 @@
           <a:bodyPr/>
           <a:lstStyle/>
           <a:p>
-            <a:fld id="{7C42E513-625E-4734-9218-4168BEAD6C45}" type="slidenum">
+            <a:fld id="{A38CD76F-B378-4290-B933-00599F9B37E7}" type="slidenum">
               <a:rPr lang="zh-CN" altLang="en-US" smtClean="0"/>
               <a:t>‹#›</a:t>
             </a:fld>
@@ -2127,7 +2127,7 @@
     </p:spTree>
     <p:extLst>
       <p:ext uri="{BB962C8B-B14F-4D97-AF65-F5344CB8AC3E}">
-        <p14:creationId xmlns:p14="http://schemas.microsoft.com/office/powerpoint/2010/main" val="3113576970"/>
+        <p14:creationId xmlns:p14="http://schemas.microsoft.com/office/powerpoint/2010/main" val="2552676178"/>
       </p:ext>
     </p:extLst>
   </p:cSld>
@@ -2159,7 +2159,7 @@
           <p:cNvPr id="2" name="标题 1">
             <a:extLst>
               <a:ext uri="{FF2B5EF4-FFF2-40B4-BE49-F238E27FC236}">
-                <a16:creationId xmlns:a16="http://schemas.microsoft.com/office/drawing/2014/main" id="{0A4C039A-5B2F-9547-E823-BDCA3C26CE85}"/>
+                <a16:creationId xmlns:a16="http://schemas.microsoft.com/office/drawing/2014/main" id="{27D428D9-4E80-6386-1562-2A7FE52D6BA8}"/>
               </a:ext>
             </a:extLst>
           </p:cNvPr>
@@ -2196,7 +2196,7 @@
           <p:cNvPr id="3" name="内容占位符 2">
             <a:extLst>
               <a:ext uri="{FF2B5EF4-FFF2-40B4-BE49-F238E27FC236}">
-                <a16:creationId xmlns:a16="http://schemas.microsoft.com/office/drawing/2014/main" id="{3845B877-1618-6900-04ED-AA596BCEC9F7}"/>
+                <a16:creationId xmlns:a16="http://schemas.microsoft.com/office/drawing/2014/main" id="{B3AC4B2A-FA69-120F-D9AE-DC5D112B7B85}"/>
               </a:ext>
             </a:extLst>
           </p:cNvPr>
@@ -2286,7 +2286,7 @@
           <p:cNvPr id="4" name="文本占位符 3">
             <a:extLst>
               <a:ext uri="{FF2B5EF4-FFF2-40B4-BE49-F238E27FC236}">
-                <a16:creationId xmlns:a16="http://schemas.microsoft.com/office/drawing/2014/main" id="{DFA509C6-F4D2-F0D2-5765-8182721E7BAB}"/>
+                <a16:creationId xmlns:a16="http://schemas.microsoft.com/office/drawing/2014/main" id="{E6E08BB7-6318-3D7C-34A9-323F93FCF763}"/>
               </a:ext>
             </a:extLst>
           </p:cNvPr>
@@ -2357,7 +2357,7 @@
           <p:cNvPr id="5" name="日期占位符 4">
             <a:extLst>
               <a:ext uri="{FF2B5EF4-FFF2-40B4-BE49-F238E27FC236}">
-                <a16:creationId xmlns:a16="http://schemas.microsoft.com/office/drawing/2014/main" id="{374481D7-4D77-D11B-F945-8529BDDC2F18}"/>
+                <a16:creationId xmlns:a16="http://schemas.microsoft.com/office/drawing/2014/main" id="{29F3F908-22B4-505D-0CAA-5B1F568BB00A}"/>
               </a:ext>
             </a:extLst>
           </p:cNvPr>
@@ -2373,7 +2373,7 @@
           <a:bodyPr/>
           <a:lstStyle/>
           <a:p>
-            <a:fld id="{5C3E57F4-B3AF-436B-88E3-C943069B559A}" type="datetimeFigureOut">
+            <a:fld id="{83E20D0E-588F-43BA-B349-DA777AE73331}" type="datetimeFigureOut">
               <a:rPr lang="zh-CN" altLang="en-US" smtClean="0"/>
               <a:t>2024/3/10</a:t>
             </a:fld>
@@ -2386,7 +2386,7 @@
           <p:cNvPr id="6" name="页脚占位符 5">
             <a:extLst>
               <a:ext uri="{FF2B5EF4-FFF2-40B4-BE49-F238E27FC236}">
-                <a16:creationId xmlns:a16="http://schemas.microsoft.com/office/drawing/2014/main" id="{60A3A68C-B84C-BB19-EF5D-1BADE83B9912}"/>
+                <a16:creationId xmlns:a16="http://schemas.microsoft.com/office/drawing/2014/main" id="{4507E273-62D5-F81D-C1BC-9E812FBBCE05}"/>
               </a:ext>
             </a:extLst>
           </p:cNvPr>
@@ -2411,7 +2411,7 @@
           <p:cNvPr id="7" name="灯片编号占位符 6">
             <a:extLst>
               <a:ext uri="{FF2B5EF4-FFF2-40B4-BE49-F238E27FC236}">
-                <a16:creationId xmlns:a16="http://schemas.microsoft.com/office/drawing/2014/main" id="{97076FEB-E3BE-C6BB-5055-ED59C8D51502}"/>
+                <a16:creationId xmlns:a16="http://schemas.microsoft.com/office/drawing/2014/main" id="{66F61E00-CBA4-0089-31DE-C82FBD69FA1C}"/>
               </a:ext>
             </a:extLst>
           </p:cNvPr>
@@ -2427,7 +2427,7 @@
           <a:bodyPr/>
           <a:lstStyle/>
           <a:p>
-            <a:fld id="{7C42E513-625E-4734-9218-4168BEAD6C45}" type="slidenum">
+            <a:fld id="{A38CD76F-B378-4290-B933-00599F9B37E7}" type="slidenum">
               <a:rPr lang="zh-CN" altLang="en-US" smtClean="0"/>
               <a:t>‹#›</a:t>
             </a:fld>
@@ -2438,7 +2438,7 @@
     </p:spTree>
     <p:extLst>
       <p:ext uri="{BB962C8B-B14F-4D97-AF65-F5344CB8AC3E}">
-        <p14:creationId xmlns:p14="http://schemas.microsoft.com/office/powerpoint/2010/main" val="1857908962"/>
+        <p14:creationId xmlns:p14="http://schemas.microsoft.com/office/powerpoint/2010/main" val="3568745175"/>
       </p:ext>
     </p:extLst>
   </p:cSld>
@@ -2470,7 +2470,7 @@
           <p:cNvPr id="2" name="标题 1">
             <a:extLst>
               <a:ext uri="{FF2B5EF4-FFF2-40B4-BE49-F238E27FC236}">
-                <a16:creationId xmlns:a16="http://schemas.microsoft.com/office/drawing/2014/main" id="{940E4BD8-A363-0464-CEDB-1ED08BD37702}"/>
+                <a16:creationId xmlns:a16="http://schemas.microsoft.com/office/drawing/2014/main" id="{3B1A9CF0-F6A5-8877-6361-52628D46A02D}"/>
               </a:ext>
             </a:extLst>
           </p:cNvPr>
@@ -2507,7 +2507,7 @@
           <p:cNvPr id="3" name="图片占位符 2">
             <a:extLst>
               <a:ext uri="{FF2B5EF4-FFF2-40B4-BE49-F238E27FC236}">
-                <a16:creationId xmlns:a16="http://schemas.microsoft.com/office/drawing/2014/main" id="{B03E5BA1-3993-6156-D80C-35964FF194CE}"/>
+                <a16:creationId xmlns:a16="http://schemas.microsoft.com/office/drawing/2014/main" id="{51BB90EB-A44D-FB5D-F3C8-989C027349E7}"/>
               </a:ext>
             </a:extLst>
           </p:cNvPr>
@@ -2574,7 +2574,7 @@
           <p:cNvPr id="4" name="文本占位符 3">
             <a:extLst>
               <a:ext uri="{FF2B5EF4-FFF2-40B4-BE49-F238E27FC236}">
-                <a16:creationId xmlns:a16="http://schemas.microsoft.com/office/drawing/2014/main" id="{D313C9DF-E0DB-0483-9F83-8D9341116C96}"/>
+                <a16:creationId xmlns:a16="http://schemas.microsoft.com/office/drawing/2014/main" id="{DD17FBD2-D191-11F4-6AD4-AF1A4DB4FBA6}"/>
               </a:ext>
             </a:extLst>
           </p:cNvPr>
@@ -2645,7 +2645,7 @@
           <p:cNvPr id="5" name="日期占位符 4">
             <a:extLst>
               <a:ext uri="{FF2B5EF4-FFF2-40B4-BE49-F238E27FC236}">
-                <a16:creationId xmlns:a16="http://schemas.microsoft.com/office/drawing/2014/main" id="{B7A0DED3-5E2D-4BBB-22C7-CC9CF35524BA}"/>
+                <a16:creationId xmlns:a16="http://schemas.microsoft.com/office/drawing/2014/main" id="{BEF34203-2D0D-F2B0-2897-F7DAA1F639C9}"/>
               </a:ext>
             </a:extLst>
           </p:cNvPr>
@@ -2661,7 +2661,7 @@
           <a:bodyPr/>
           <a:lstStyle/>
           <a:p>
-            <a:fld id="{5C3E57F4-B3AF-436B-88E3-C943069B559A}" type="datetimeFigureOut">
+            <a:fld id="{83E20D0E-588F-43BA-B349-DA777AE73331}" type="datetimeFigureOut">
               <a:rPr lang="zh-CN" altLang="en-US" smtClean="0"/>
               <a:t>2024/3/10</a:t>
             </a:fld>
@@ -2674,7 +2674,7 @@
           <p:cNvPr id="6" name="页脚占位符 5">
             <a:extLst>
               <a:ext uri="{FF2B5EF4-FFF2-40B4-BE49-F238E27FC236}">
-                <a16:creationId xmlns:a16="http://schemas.microsoft.com/office/drawing/2014/main" id="{C277F85D-0882-5DBA-8014-1FF183B2628E}"/>
+                <a16:creationId xmlns:a16="http://schemas.microsoft.com/office/drawing/2014/main" id="{6F3F24B9-C768-8DE9-9270-200DFF409091}"/>
               </a:ext>
             </a:extLst>
           </p:cNvPr>
@@ -2699,7 +2699,7 @@
           <p:cNvPr id="7" name="灯片编号占位符 6">
             <a:extLst>
               <a:ext uri="{FF2B5EF4-FFF2-40B4-BE49-F238E27FC236}">
-                <a16:creationId xmlns:a16="http://schemas.microsoft.com/office/drawing/2014/main" id="{64EE07B5-9396-9DDA-22B8-1864868C5EC6}"/>
+                <a16:creationId xmlns:a16="http://schemas.microsoft.com/office/drawing/2014/main" id="{4A25D015-A6A5-ADEC-E6B2-06A9973324BC}"/>
               </a:ext>
             </a:extLst>
           </p:cNvPr>
@@ -2715,7 +2715,7 @@
           <a:bodyPr/>
           <a:lstStyle/>
           <a:p>
-            <a:fld id="{7C42E513-625E-4734-9218-4168BEAD6C45}" type="slidenum">
+            <a:fld id="{A38CD76F-B378-4290-B933-00599F9B37E7}" type="slidenum">
               <a:rPr lang="zh-CN" altLang="en-US" smtClean="0"/>
               <a:t>‹#›</a:t>
             </a:fld>
@@ -2726,7 +2726,7 @@
     </p:spTree>
     <p:extLst>
       <p:ext uri="{BB962C8B-B14F-4D97-AF65-F5344CB8AC3E}">
-        <p14:creationId xmlns:p14="http://schemas.microsoft.com/office/powerpoint/2010/main" val="2788506585"/>
+        <p14:creationId xmlns:p14="http://schemas.microsoft.com/office/powerpoint/2010/main" val="809353387"/>
       </p:ext>
     </p:extLst>
   </p:cSld>
@@ -2763,7 +2763,7 @@
           <p:cNvPr id="2" name="标题占位符 1">
             <a:extLst>
               <a:ext uri="{FF2B5EF4-FFF2-40B4-BE49-F238E27FC236}">
-                <a16:creationId xmlns:a16="http://schemas.microsoft.com/office/drawing/2014/main" id="{2C6F7F3C-D26E-A6AF-76D8-A411D5414E48}"/>
+                <a16:creationId xmlns:a16="http://schemas.microsoft.com/office/drawing/2014/main" id="{B4571F7A-7242-AA97-4B39-F2B6019B72A9}"/>
               </a:ext>
             </a:extLst>
           </p:cNvPr>
@@ -2801,7 +2801,7 @@
           <p:cNvPr id="3" name="文本占位符 2">
             <a:extLst>
               <a:ext uri="{FF2B5EF4-FFF2-40B4-BE49-F238E27FC236}">
-                <a16:creationId xmlns:a16="http://schemas.microsoft.com/office/drawing/2014/main" id="{38DA235C-169B-986E-2C09-F8891AA75543}"/>
+                <a16:creationId xmlns:a16="http://schemas.microsoft.com/office/drawing/2014/main" id="{C83929F2-DB36-EBCE-34D8-F93F2230A7C1}"/>
               </a:ext>
             </a:extLst>
           </p:cNvPr>
@@ -2868,7 +2868,7 @@
           <p:cNvPr id="4" name="日期占位符 3">
             <a:extLst>
               <a:ext uri="{FF2B5EF4-FFF2-40B4-BE49-F238E27FC236}">
-                <a16:creationId xmlns:a16="http://schemas.microsoft.com/office/drawing/2014/main" id="{6ADB53E1-7708-8B13-56DF-B6FB3A586C9E}"/>
+                <a16:creationId xmlns:a16="http://schemas.microsoft.com/office/drawing/2014/main" id="{331BD71A-9BF1-ACA8-7B0E-6D5D93A20CB2}"/>
               </a:ext>
             </a:extLst>
           </p:cNvPr>
@@ -2902,7 +2902,7 @@
             </a:lvl1pPr>
           </a:lstStyle>
           <a:p>
-            <a:fld id="{5C3E57F4-B3AF-436B-88E3-C943069B559A}" type="datetimeFigureOut">
+            <a:fld id="{83E20D0E-588F-43BA-B349-DA777AE73331}" type="datetimeFigureOut">
               <a:rPr lang="zh-CN" altLang="en-US" smtClean="0"/>
               <a:t>2024/3/10</a:t>
             </a:fld>
@@ -2915,7 +2915,7 @@
           <p:cNvPr id="5" name="页脚占位符 4">
             <a:extLst>
               <a:ext uri="{FF2B5EF4-FFF2-40B4-BE49-F238E27FC236}">
-                <a16:creationId xmlns:a16="http://schemas.microsoft.com/office/drawing/2014/main" id="{07171441-A2E0-D87D-C590-687B9F29D8F7}"/>
+                <a16:creationId xmlns:a16="http://schemas.microsoft.com/office/drawing/2014/main" id="{3870B878-80C1-AE31-D57D-6036742E1A15}"/>
               </a:ext>
             </a:extLst>
           </p:cNvPr>
@@ -2958,7 +2958,7 @@
           <p:cNvPr id="6" name="灯片编号占位符 5">
             <a:extLst>
               <a:ext uri="{FF2B5EF4-FFF2-40B4-BE49-F238E27FC236}">
-                <a16:creationId xmlns:a16="http://schemas.microsoft.com/office/drawing/2014/main" id="{E4C33FB0-DE04-E126-F777-15C3766E0E7D}"/>
+                <a16:creationId xmlns:a16="http://schemas.microsoft.com/office/drawing/2014/main" id="{BD88DD62-36BE-B9C8-7A21-F64FAED5B615}"/>
               </a:ext>
             </a:extLst>
           </p:cNvPr>
@@ -2992,7 +2992,7 @@
             </a:lvl1pPr>
           </a:lstStyle>
           <a:p>
-            <a:fld id="{7C42E513-625E-4734-9218-4168BEAD6C45}" type="slidenum">
+            <a:fld id="{A38CD76F-B378-4290-B933-00599F9B37E7}" type="slidenum">
               <a:rPr lang="zh-CN" altLang="en-US" smtClean="0"/>
               <a:t>‹#›</a:t>
             </a:fld>
@@ -3003,7 +3003,7 @@
     </p:spTree>
     <p:extLst>
       <p:ext uri="{BB962C8B-B14F-4D97-AF65-F5344CB8AC3E}">
-        <p14:creationId xmlns:p14="http://schemas.microsoft.com/office/powerpoint/2010/main" val="313124560"/>
+        <p14:creationId xmlns:p14="http://schemas.microsoft.com/office/powerpoint/2010/main" val="413649715"/>
       </p:ext>
     </p:extLst>
   </p:cSld>
@@ -3323,7 +3323,7 @@
       </p:grpSpPr>
       <p:pic>
         <p:nvPicPr>
-          <p:cNvPr id="215042" name="Picture 2" descr="209"/>
+          <p:cNvPr id="216066" name="Picture 2" descr="210"/>
           <p:cNvPicPr>
             <a:picLocks noChangeAspect="1" noChangeArrowheads="1"/>
           </p:cNvPicPr>
@@ -3377,7 +3377,7 @@
       </p:pic>
       <p:pic>
         <p:nvPicPr>
-          <p:cNvPr id="216067" name="Picture 3" descr="209-2"/>
+          <p:cNvPr id="217091" name="Picture 3" descr="210-2"/>
           <p:cNvPicPr>
             <a:picLocks noChangeAspect="1" noChangeArrowheads="1"/>
           </p:cNvPicPr>
@@ -3398,8 +3398,8 @@
         </p:blipFill>
         <p:spPr bwMode="auto">
           <a:xfrm>
-            <a:off x="1524000" y="0"/>
-            <a:ext cx="9144000" cy="6858000"/>
+            <a:off x="1560513" y="-11113"/>
+            <a:ext cx="9144000" cy="6842126"/>
           </a:xfrm>
           <a:prstGeom prst="rect">
             <a:avLst/>
@@ -3478,7 +3478,7 @@
                                           </p:stCondLst>
                                         </p:cTn>
                                         <p:tgtEl>
-                                          <p:spTgt spid="216067"/>
+                                          <p:spTgt spid="217091"/>
                                         </p:tgtEl>
                                         <p:attrNameLst>
                                           <p:attrName>style.visibility</p:attrName>
@@ -3492,7 +3492,7 @@
                                       <p:cBhvr>
                                         <p:cTn id="7" dur="500"/>
                                         <p:tgtEl>
-                                          <p:spTgt spid="216067"/>
+                                          <p:spTgt spid="217091"/>
                                         </p:tgtEl>
                                       </p:cBhvr>
                                     </p:animEffect>
